--- a/DSP/HomeWork 1/32 Channel ADCs using Daisy-Chain Multiple Device Configurations.pptx
+++ b/DSP/HomeWork 1/32 Channel ADCs using Daisy-Chain Multiple Device Configurations.pptx
@@ -105,6 +105,11 @@
       </a:defRPr>
     </a:lvl9pPr>
   </p:defaultTextStyle>
+  <p:extLst>
+    <p:ext uri="{EFAFB233-063F-42B5-8137-9DF3F51BA10A}">
+      <p15:sldGuideLst xmlns:p15="http://schemas.microsoft.com/office/powerpoint/2012/main"/>
+    </p:ext>
+  </p:extLst>
 </p:presentation>
 </file>
 
@@ -239,7 +244,7 @@
           <a:p>
             <a:fld id="{6D3EC0E8-1AD2-4EE2-A035-44E8FE8BA087}" type="datetimeFigureOut">
               <a:rPr lang="zh-CN" altLang="en-US" smtClean="0"/>
-              <a:t>2020-11-20</a:t>
+              <a:t>2020-11-22</a:t>
             </a:fld>
             <a:endParaRPr lang="zh-CN" altLang="en-US"/>
           </a:p>
@@ -409,7 +414,7 @@
           <a:p>
             <a:fld id="{6D3EC0E8-1AD2-4EE2-A035-44E8FE8BA087}" type="datetimeFigureOut">
               <a:rPr lang="zh-CN" altLang="en-US" smtClean="0"/>
-              <a:t>2020-11-20</a:t>
+              <a:t>2020-11-22</a:t>
             </a:fld>
             <a:endParaRPr lang="zh-CN" altLang="en-US"/>
           </a:p>
@@ -589,7 +594,7 @@
           <a:p>
             <a:fld id="{6D3EC0E8-1AD2-4EE2-A035-44E8FE8BA087}" type="datetimeFigureOut">
               <a:rPr lang="zh-CN" altLang="en-US" smtClean="0"/>
-              <a:t>2020-11-20</a:t>
+              <a:t>2020-11-22</a:t>
             </a:fld>
             <a:endParaRPr lang="zh-CN" altLang="en-US"/>
           </a:p>
@@ -759,7 +764,7 @@
           <a:p>
             <a:fld id="{6D3EC0E8-1AD2-4EE2-A035-44E8FE8BA087}" type="datetimeFigureOut">
               <a:rPr lang="zh-CN" altLang="en-US" smtClean="0"/>
-              <a:t>2020-11-20</a:t>
+              <a:t>2020-11-22</a:t>
             </a:fld>
             <a:endParaRPr lang="zh-CN" altLang="en-US"/>
           </a:p>
@@ -1003,7 +1008,7 @@
           <a:p>
             <a:fld id="{6D3EC0E8-1AD2-4EE2-A035-44E8FE8BA087}" type="datetimeFigureOut">
               <a:rPr lang="zh-CN" altLang="en-US" smtClean="0"/>
-              <a:t>2020-11-20</a:t>
+              <a:t>2020-11-22</a:t>
             </a:fld>
             <a:endParaRPr lang="zh-CN" altLang="en-US"/>
           </a:p>
@@ -1235,7 +1240,7 @@
           <a:p>
             <a:fld id="{6D3EC0E8-1AD2-4EE2-A035-44E8FE8BA087}" type="datetimeFigureOut">
               <a:rPr lang="zh-CN" altLang="en-US" smtClean="0"/>
-              <a:t>2020-11-20</a:t>
+              <a:t>2020-11-22</a:t>
             </a:fld>
             <a:endParaRPr lang="zh-CN" altLang="en-US"/>
           </a:p>
@@ -1602,7 +1607,7 @@
           <a:p>
             <a:fld id="{6D3EC0E8-1AD2-4EE2-A035-44E8FE8BA087}" type="datetimeFigureOut">
               <a:rPr lang="zh-CN" altLang="en-US" smtClean="0"/>
-              <a:t>2020-11-20</a:t>
+              <a:t>2020-11-22</a:t>
             </a:fld>
             <a:endParaRPr lang="zh-CN" altLang="en-US"/>
           </a:p>
@@ -1720,7 +1725,7 @@
           <a:p>
             <a:fld id="{6D3EC0E8-1AD2-4EE2-A035-44E8FE8BA087}" type="datetimeFigureOut">
               <a:rPr lang="zh-CN" altLang="en-US" smtClean="0"/>
-              <a:t>2020-11-20</a:t>
+              <a:t>2020-11-22</a:t>
             </a:fld>
             <a:endParaRPr lang="zh-CN" altLang="en-US"/>
           </a:p>
@@ -1815,7 +1820,7 @@
           <a:p>
             <a:fld id="{6D3EC0E8-1AD2-4EE2-A035-44E8FE8BA087}" type="datetimeFigureOut">
               <a:rPr lang="zh-CN" altLang="en-US" smtClean="0"/>
-              <a:t>2020-11-20</a:t>
+              <a:t>2020-11-22</a:t>
             </a:fld>
             <a:endParaRPr lang="zh-CN" altLang="en-US"/>
           </a:p>
@@ -2092,7 +2097,7 @@
           <a:p>
             <a:fld id="{6D3EC0E8-1AD2-4EE2-A035-44E8FE8BA087}" type="datetimeFigureOut">
               <a:rPr lang="zh-CN" altLang="en-US" smtClean="0"/>
-              <a:t>2020-11-20</a:t>
+              <a:t>2020-11-22</a:t>
             </a:fld>
             <a:endParaRPr lang="zh-CN" altLang="en-US"/>
           </a:p>
@@ -2349,7 +2354,7 @@
           <a:p>
             <a:fld id="{6D3EC0E8-1AD2-4EE2-A035-44E8FE8BA087}" type="datetimeFigureOut">
               <a:rPr lang="zh-CN" altLang="en-US" smtClean="0"/>
-              <a:t>2020-11-20</a:t>
+              <a:t>2020-11-22</a:t>
             </a:fld>
             <a:endParaRPr lang="zh-CN" altLang="en-US"/>
           </a:p>
@@ -2562,7 +2567,7 @@
           <a:p>
             <a:fld id="{6D3EC0E8-1AD2-4EE2-A035-44E8FE8BA087}" type="datetimeFigureOut">
               <a:rPr lang="zh-CN" altLang="en-US" smtClean="0"/>
-              <a:t>2020-11-20</a:t>
+              <a:t>2020-11-22</a:t>
             </a:fld>
             <a:endParaRPr lang="zh-CN" altLang="en-US"/>
           </a:p>
@@ -3067,10 +3072,10 @@
         </p:nvGrpSpPr>
         <p:grpSpPr>
           <a:xfrm>
-            <a:off x="1402080" y="493776"/>
-            <a:ext cx="1609967" cy="1246768"/>
-            <a:chOff x="1402080" y="493776"/>
-            <a:chExt cx="1609967" cy="1246768"/>
+            <a:off x="1668312" y="328741"/>
+            <a:ext cx="1441664" cy="1230549"/>
+            <a:chOff x="1469136" y="493776"/>
+            <a:chExt cx="1441664" cy="1230549"/>
           </a:xfrm>
         </p:grpSpPr>
         <p:sp>
@@ -3135,7 +3140,7 @@
           </p:nvSpPr>
           <p:spPr>
             <a:xfrm>
-              <a:off x="1403901" y="523611"/>
+              <a:off x="1480101" y="523611"/>
               <a:ext cx="725424" cy="230832"/>
             </a:xfrm>
             <a:prstGeom prst="rect">
@@ -3171,7 +3176,7 @@
           </p:nvSpPr>
           <p:spPr>
             <a:xfrm>
-              <a:off x="1402080" y="698261"/>
+              <a:off x="1478280" y="698261"/>
               <a:ext cx="792480" cy="230832"/>
             </a:xfrm>
             <a:prstGeom prst="rect">
@@ -3207,7 +3212,7 @@
           </p:nvSpPr>
           <p:spPr>
             <a:xfrm>
-              <a:off x="1479458" y="1509712"/>
+              <a:off x="1580190" y="1479764"/>
               <a:ext cx="735259" cy="230832"/>
             </a:xfrm>
             <a:prstGeom prst="rect">
@@ -3247,7 +3252,7 @@
           </p:nvSpPr>
           <p:spPr>
             <a:xfrm>
-              <a:off x="2471762" y="1438535"/>
+              <a:off x="2370515" y="1438535"/>
               <a:ext cx="540285" cy="230832"/>
             </a:xfrm>
             <a:prstGeom prst="rect">
@@ -3261,6 +3266,7 @@
             </a:bodyPr>
             <a:lstStyle/>
             <a:p>
+              <a:pPr algn="r"/>
               <a:r>
                 <a:rPr lang="en-US" altLang="zh-CN" sz="900" dirty="0"/>
                 <a:t>DOUT</a:t>
@@ -3287,7 +3293,7 @@
           </p:nvSpPr>
           <p:spPr>
             <a:xfrm>
-              <a:off x="2612788" y="1279928"/>
+              <a:off x="2511541" y="1279928"/>
               <a:ext cx="399259" cy="230832"/>
             </a:xfrm>
             <a:prstGeom prst="rect">
@@ -3301,6 +3307,7 @@
             </a:bodyPr>
             <a:lstStyle/>
             <a:p>
+              <a:pPr algn="r"/>
               <a:r>
                 <a:rPr lang="en-US" altLang="zh-CN" sz="900" dirty="0"/>
                 <a:t>DIN</a:t>
@@ -3323,7 +3330,7 @@
           </p:nvSpPr>
           <p:spPr>
             <a:xfrm>
-              <a:off x="2563376" y="1122049"/>
+              <a:off x="2462129" y="1122049"/>
               <a:ext cx="448671" cy="230832"/>
             </a:xfrm>
             <a:prstGeom prst="rect">
@@ -3337,6 +3344,7 @@
             </a:bodyPr>
             <a:lstStyle/>
             <a:p>
+              <a:pPr algn="r"/>
               <a:r>
                 <a:rPr lang="en-US" altLang="zh-CN" sz="900" dirty="0"/>
                 <a:t>SCLK</a:t>
@@ -3361,7 +3369,7 @@
               </p:nvSpPr>
               <p:spPr>
                 <a:xfrm>
-                  <a:off x="2659470" y="692446"/>
+                  <a:off x="2554472" y="698261"/>
                   <a:ext cx="352577" cy="231154"/>
                 </a:xfrm>
                 <a:prstGeom prst="rect">
@@ -3379,7 +3387,7 @@
                   <a14:m>
                     <m:oMathPara xmlns:m="http://schemas.openxmlformats.org/officeDocument/2006/math">
                       <m:oMathParaPr>
-                        <m:jc m:val="left"/>
+                        <m:jc m:val="right"/>
                       </m:oMathParaPr>
                       <m:oMath xmlns:m="http://schemas.openxmlformats.org/officeDocument/2006/math">
                         <m:acc>
@@ -3428,7 +3436,7 @@
               </p:nvSpPr>
               <p:spPr>
                 <a:xfrm>
-                  <a:off x="2659470" y="692446"/>
+                  <a:off x="2554472" y="698261"/>
                   <a:ext cx="352577" cy="231154"/>
                 </a:xfrm>
                 <a:prstGeom prst="rect">
@@ -3472,7 +3480,7 @@
               </p:nvSpPr>
               <p:spPr>
                 <a:xfrm>
-                  <a:off x="2471762" y="523611"/>
+                  <a:off x="2365092" y="500641"/>
                   <a:ext cx="540285" cy="230832"/>
                 </a:xfrm>
                 <a:prstGeom prst="rect">
@@ -3486,10 +3494,11 @@
                 </a:bodyPr>
                 <a:lstStyle/>
                 <a:p>
+                  <a:pPr algn="dist"/>
                   <a14:m>
                     <m:oMathPara xmlns:m="http://schemas.openxmlformats.org/officeDocument/2006/math">
                       <m:oMathParaPr>
-                        <m:jc m:val="centerGroup"/>
+                        <m:jc m:val="right"/>
                       </m:oMathParaPr>
                       <m:oMath xmlns:m="http://schemas.openxmlformats.org/officeDocument/2006/math">
                         <m:acc>
@@ -3535,7 +3544,7 @@
               </p:nvSpPr>
               <p:spPr>
                 <a:xfrm>
-                  <a:off x="2471762" y="523611"/>
+                  <a:off x="2365092" y="500641"/>
                   <a:ext cx="540285" cy="230832"/>
                 </a:xfrm>
                 <a:prstGeom prst="rect">
@@ -3578,10 +3587,10 @@
         </p:nvGrpSpPr>
         <p:grpSpPr>
           <a:xfrm>
-            <a:off x="1402080" y="1955152"/>
-            <a:ext cx="1609967" cy="1246768"/>
-            <a:chOff x="1402080" y="493776"/>
-            <a:chExt cx="1609967" cy="1246768"/>
+            <a:off x="1647965" y="1946982"/>
+            <a:ext cx="1436780" cy="1231016"/>
+            <a:chOff x="1468597" y="493309"/>
+            <a:chExt cx="1436780" cy="1231016"/>
           </a:xfrm>
         </p:grpSpPr>
         <p:sp>
@@ -3646,8 +3655,8 @@
           </p:nvSpPr>
           <p:spPr>
             <a:xfrm>
-              <a:off x="1403901" y="523611"/>
-              <a:ext cx="725424" cy="230832"/>
+              <a:off x="1481078" y="667959"/>
+              <a:ext cx="519865" cy="230832"/>
             </a:xfrm>
             <a:prstGeom prst="rect">
               <a:avLst/>
@@ -3682,8 +3691,8 @@
           </p:nvSpPr>
           <p:spPr>
             <a:xfrm>
-              <a:off x="1402080" y="698261"/>
-              <a:ext cx="792480" cy="230832"/>
+              <a:off x="1468597" y="849265"/>
+              <a:ext cx="352577" cy="230832"/>
             </a:xfrm>
             <a:prstGeom prst="rect">
               <a:avLst/>
@@ -3718,7 +3727,7 @@
           </p:nvSpPr>
           <p:spPr>
             <a:xfrm>
-              <a:off x="1479458" y="1509712"/>
+              <a:off x="1599998" y="1492963"/>
               <a:ext cx="735259" cy="230832"/>
             </a:xfrm>
             <a:prstGeom prst="rect">
@@ -3758,7 +3767,7 @@
           </p:nvSpPr>
           <p:spPr>
             <a:xfrm>
-              <a:off x="2471762" y="1438535"/>
+              <a:off x="1703958" y="493309"/>
               <a:ext cx="540285" cy="230832"/>
             </a:xfrm>
             <a:prstGeom prst="rect">
@@ -3798,7 +3807,7 @@
           </p:nvSpPr>
           <p:spPr>
             <a:xfrm>
-              <a:off x="2612788" y="1279928"/>
+              <a:off x="2506118" y="1273892"/>
               <a:ext cx="399259" cy="230832"/>
             </a:xfrm>
             <a:prstGeom prst="rect">
@@ -3812,6 +3821,7 @@
             </a:bodyPr>
             <a:lstStyle/>
             <a:p>
+              <a:pPr algn="r"/>
               <a:r>
                 <a:rPr lang="en-US" altLang="zh-CN" sz="900" dirty="0"/>
                 <a:t>DIN</a:t>
@@ -3834,7 +3844,7 @@
           </p:nvSpPr>
           <p:spPr>
             <a:xfrm>
-              <a:off x="2563376" y="1122049"/>
+              <a:off x="2456706" y="1116013"/>
               <a:ext cx="448671" cy="230832"/>
             </a:xfrm>
             <a:prstGeom prst="rect">
@@ -3848,6 +3858,7 @@
             </a:bodyPr>
             <a:lstStyle/>
             <a:p>
+              <a:pPr algn="r"/>
               <a:r>
                 <a:rPr lang="en-US" altLang="zh-CN" sz="900" dirty="0"/>
                 <a:t>SCLK</a:t>
@@ -3872,7 +3883,7 @@
               </p:nvSpPr>
               <p:spPr>
                 <a:xfrm>
-                  <a:off x="2659470" y="692446"/>
+                  <a:off x="2552800" y="686410"/>
                   <a:ext cx="352577" cy="231154"/>
                 </a:xfrm>
                 <a:prstGeom prst="rect">
@@ -3886,11 +3897,11 @@
                 </a:bodyPr>
                 <a:lstStyle/>
                 <a:p>
-                  <a:pPr/>
+                  <a:pPr algn="r"/>
                   <a14:m>
                     <m:oMathPara xmlns:m="http://schemas.openxmlformats.org/officeDocument/2006/math">
                       <m:oMathParaPr>
-                        <m:jc m:val="left"/>
+                        <m:jc m:val="right"/>
                       </m:oMathParaPr>
                       <m:oMath xmlns:m="http://schemas.openxmlformats.org/officeDocument/2006/math">
                         <m:acc>
@@ -3939,7 +3950,7 @@
               </p:nvSpPr>
               <p:spPr>
                 <a:xfrm>
-                  <a:off x="2659470" y="692446"/>
+                  <a:off x="2552800" y="686410"/>
                   <a:ext cx="352577" cy="231154"/>
                 </a:xfrm>
                 <a:prstGeom prst="rect">
@@ -3983,7 +3994,7 @@
               </p:nvSpPr>
               <p:spPr>
                 <a:xfrm>
-                  <a:off x="2471762" y="523611"/>
+                  <a:off x="2365092" y="517575"/>
                   <a:ext cx="540285" cy="230832"/>
                 </a:xfrm>
                 <a:prstGeom prst="rect">
@@ -3997,10 +4008,11 @@
                 </a:bodyPr>
                 <a:lstStyle/>
                 <a:p>
+                  <a:pPr algn="r"/>
                   <a14:m>
                     <m:oMathPara xmlns:m="http://schemas.openxmlformats.org/officeDocument/2006/math">
                       <m:oMathParaPr>
-                        <m:jc m:val="centerGroup"/>
+                        <m:jc m:val="right"/>
                       </m:oMathParaPr>
                       <m:oMath xmlns:m="http://schemas.openxmlformats.org/officeDocument/2006/math">
                         <m:acc>
@@ -4046,7 +4058,7 @@
               </p:nvSpPr>
               <p:spPr>
                 <a:xfrm>
-                  <a:off x="2471762" y="523611"/>
+                  <a:off x="2365092" y="517575"/>
                   <a:ext cx="540285" cy="230832"/>
                 </a:xfrm>
                 <a:prstGeom prst="rect">
@@ -4089,10 +4101,10 @@
         </p:nvGrpSpPr>
         <p:grpSpPr>
           <a:xfrm>
-            <a:off x="1409733" y="3452051"/>
-            <a:ext cx="1609967" cy="1246768"/>
-            <a:chOff x="1402080" y="493776"/>
-            <a:chExt cx="1609967" cy="1246768"/>
+            <a:off x="1675965" y="3606554"/>
+            <a:ext cx="1436241" cy="1236845"/>
+            <a:chOff x="1469136" y="487480"/>
+            <a:chExt cx="1436241" cy="1236845"/>
           </a:xfrm>
         </p:grpSpPr>
         <p:sp>
@@ -4157,7 +4169,7 @@
           </p:nvSpPr>
           <p:spPr>
             <a:xfrm>
-              <a:off x="1403901" y="523611"/>
+              <a:off x="1472448" y="685823"/>
               <a:ext cx="725424" cy="230832"/>
             </a:xfrm>
             <a:prstGeom prst="rect">
@@ -4193,7 +4205,7 @@
           </p:nvSpPr>
           <p:spPr>
             <a:xfrm>
-              <a:off x="1402080" y="698261"/>
+              <a:off x="1470627" y="860473"/>
               <a:ext cx="792480" cy="230832"/>
             </a:xfrm>
             <a:prstGeom prst="rect">
@@ -4229,7 +4241,7 @@
           </p:nvSpPr>
           <p:spPr>
             <a:xfrm>
-              <a:off x="1479458" y="1509712"/>
+              <a:off x="1579009" y="1487146"/>
               <a:ext cx="735259" cy="230832"/>
             </a:xfrm>
             <a:prstGeom prst="rect">
@@ -4269,7 +4281,7 @@
           </p:nvSpPr>
           <p:spPr>
             <a:xfrm>
-              <a:off x="2471762" y="1438535"/>
+              <a:off x="1670025" y="487480"/>
               <a:ext cx="540285" cy="230832"/>
             </a:xfrm>
             <a:prstGeom prst="rect">
@@ -4309,7 +4321,7 @@
           </p:nvSpPr>
           <p:spPr>
             <a:xfrm>
-              <a:off x="2612788" y="1279928"/>
+              <a:off x="2498465" y="1332093"/>
               <a:ext cx="399259" cy="230832"/>
             </a:xfrm>
             <a:prstGeom prst="rect">
@@ -4323,6 +4335,7 @@
             </a:bodyPr>
             <a:lstStyle/>
             <a:p>
+              <a:pPr algn="r"/>
               <a:r>
                 <a:rPr lang="en-US" altLang="zh-CN" sz="900" dirty="0"/>
                 <a:t>DIN</a:t>
@@ -4345,7 +4358,7 @@
           </p:nvSpPr>
           <p:spPr>
             <a:xfrm>
-              <a:off x="2563376" y="1122049"/>
+              <a:off x="2449053" y="1174214"/>
               <a:ext cx="448671" cy="230832"/>
             </a:xfrm>
             <a:prstGeom prst="rect">
@@ -4359,6 +4372,7 @@
             </a:bodyPr>
             <a:lstStyle/>
             <a:p>
+              <a:pPr algn="r"/>
               <a:r>
                 <a:rPr lang="en-US" altLang="zh-CN" sz="900" dirty="0"/>
                 <a:t>SCLK</a:t>
@@ -4383,7 +4397,7 @@
               </p:nvSpPr>
               <p:spPr>
                 <a:xfrm>
-                  <a:off x="2659470" y="692446"/>
+                  <a:off x="2545147" y="744611"/>
                   <a:ext cx="352577" cy="231154"/>
                 </a:xfrm>
                 <a:prstGeom prst="rect">
@@ -4397,11 +4411,11 @@
                 </a:bodyPr>
                 <a:lstStyle/>
                 <a:p>
-                  <a:pPr/>
+                  <a:pPr algn="r"/>
                   <a14:m>
                     <m:oMathPara xmlns:m="http://schemas.openxmlformats.org/officeDocument/2006/math">
                       <m:oMathParaPr>
-                        <m:jc m:val="left"/>
+                        <m:jc m:val="right"/>
                       </m:oMathParaPr>
                       <m:oMath xmlns:m="http://schemas.openxmlformats.org/officeDocument/2006/math">
                         <m:acc>
@@ -4450,7 +4464,7 @@
               </p:nvSpPr>
               <p:spPr>
                 <a:xfrm>
-                  <a:off x="2659470" y="692446"/>
+                  <a:off x="2545147" y="744611"/>
                   <a:ext cx="352577" cy="231154"/>
                 </a:xfrm>
                 <a:prstGeom prst="rect">
@@ -4494,7 +4508,7 @@
               </p:nvSpPr>
               <p:spPr>
                 <a:xfrm>
-                  <a:off x="2471762" y="523611"/>
+                  <a:off x="2357439" y="575776"/>
                   <a:ext cx="540285" cy="230832"/>
                 </a:xfrm>
                 <a:prstGeom prst="rect">
@@ -4508,10 +4522,11 @@
                 </a:bodyPr>
                 <a:lstStyle/>
                 <a:p>
+                  <a:pPr algn="r"/>
                   <a14:m>
                     <m:oMathPara xmlns:m="http://schemas.openxmlformats.org/officeDocument/2006/math">
                       <m:oMathParaPr>
-                        <m:jc m:val="centerGroup"/>
+                        <m:jc m:val="right"/>
                       </m:oMathParaPr>
                       <m:oMath xmlns:m="http://schemas.openxmlformats.org/officeDocument/2006/math">
                         <m:acc>
@@ -4557,7 +4572,7 @@
               </p:nvSpPr>
               <p:spPr>
                 <a:xfrm>
-                  <a:off x="2471762" y="523611"/>
+                  <a:off x="2357439" y="575776"/>
                   <a:ext cx="540285" cy="230832"/>
                 </a:xfrm>
                 <a:prstGeom prst="rect">
@@ -4600,10 +4615,10 @@
         </p:nvGrpSpPr>
         <p:grpSpPr>
           <a:xfrm>
-            <a:off x="1408799" y="5019447"/>
-            <a:ext cx="1609967" cy="1246768"/>
-            <a:chOff x="1402080" y="493776"/>
-            <a:chExt cx="1609967" cy="1246768"/>
+            <a:off x="1675965" y="5313636"/>
+            <a:ext cx="1436241" cy="1233612"/>
+            <a:chOff x="1469136" y="490713"/>
+            <a:chExt cx="1436241" cy="1233612"/>
           </a:xfrm>
         </p:grpSpPr>
         <p:sp>
@@ -4668,7 +4683,7 @@
           </p:nvSpPr>
           <p:spPr>
             <a:xfrm>
-              <a:off x="1403901" y="523611"/>
+              <a:off x="1472448" y="623167"/>
               <a:ext cx="725424" cy="230832"/>
             </a:xfrm>
             <a:prstGeom prst="rect">
@@ -4704,7 +4719,7 @@
           </p:nvSpPr>
           <p:spPr>
             <a:xfrm>
-              <a:off x="1402080" y="698261"/>
+              <a:off x="1470627" y="797817"/>
               <a:ext cx="792480" cy="230832"/>
             </a:xfrm>
             <a:prstGeom prst="rect">
@@ -4740,8 +4755,8 @@
           </p:nvSpPr>
           <p:spPr>
             <a:xfrm>
-              <a:off x="1479458" y="1509712"/>
-              <a:ext cx="735259" cy="230832"/>
+              <a:off x="2230197" y="1444738"/>
+              <a:ext cx="669199" cy="230832"/>
             </a:xfrm>
             <a:prstGeom prst="rect">
               <a:avLst/>
@@ -4754,6 +4769,7 @@
             </a:bodyPr>
             <a:lstStyle/>
             <a:p>
+              <a:pPr algn="r"/>
               <a:r>
                 <a:rPr lang="en-US" altLang="zh-CN" sz="900" dirty="0"/>
                 <a:t>DAISY_IN</a:t>
@@ -4780,7 +4796,7 @@
           </p:nvSpPr>
           <p:spPr>
             <a:xfrm>
-              <a:off x="2471762" y="1438535"/>
+              <a:off x="1674432" y="490713"/>
               <a:ext cx="540285" cy="230832"/>
             </a:xfrm>
             <a:prstGeom prst="rect">
@@ -4820,8 +4836,8 @@
           </p:nvSpPr>
           <p:spPr>
             <a:xfrm>
-              <a:off x="2612788" y="1279928"/>
-              <a:ext cx="399259" cy="230832"/>
+              <a:off x="2520967" y="1249229"/>
+              <a:ext cx="370679" cy="230832"/>
             </a:xfrm>
             <a:prstGeom prst="rect">
               <a:avLst/>
@@ -4834,6 +4850,7 @@
             </a:bodyPr>
             <a:lstStyle/>
             <a:p>
+              <a:pPr algn="r"/>
               <a:r>
                 <a:rPr lang="en-US" altLang="zh-CN" sz="900" dirty="0"/>
                 <a:t>DIN</a:t>
@@ -4856,8 +4873,8 @@
           </p:nvSpPr>
           <p:spPr>
             <a:xfrm>
-              <a:off x="2563376" y="1122049"/>
-              <a:ext cx="448671" cy="230832"/>
+              <a:off x="2491311" y="1065304"/>
+              <a:ext cx="411836" cy="230832"/>
             </a:xfrm>
             <a:prstGeom prst="rect">
               <a:avLst/>
@@ -4870,6 +4887,7 @@
             </a:bodyPr>
             <a:lstStyle/>
             <a:p>
+              <a:pPr algn="r"/>
               <a:r>
                 <a:rPr lang="en-US" altLang="zh-CN" sz="900" dirty="0"/>
                 <a:t>SCLK</a:t>
@@ -4894,8 +4912,8 @@
               </p:nvSpPr>
               <p:spPr>
                 <a:xfrm>
-                  <a:off x="2659470" y="692446"/>
-                  <a:ext cx="352577" cy="231154"/>
+                  <a:off x="2615053" y="684926"/>
+                  <a:ext cx="281000" cy="231154"/>
                 </a:xfrm>
                 <a:prstGeom prst="rect">
                   <a:avLst/>
@@ -4912,7 +4930,7 @@
                   <a14:m>
                     <m:oMathPara xmlns:m="http://schemas.openxmlformats.org/officeDocument/2006/math">
                       <m:oMathParaPr>
-                        <m:jc m:val="left"/>
+                        <m:jc m:val="right"/>
                       </m:oMathParaPr>
                       <m:oMath xmlns:m="http://schemas.openxmlformats.org/officeDocument/2006/math">
                         <m:acc>
@@ -4961,8 +4979,8 @@
               </p:nvSpPr>
               <p:spPr>
                 <a:xfrm>
-                  <a:off x="2659470" y="692446"/>
-                  <a:ext cx="352577" cy="231154"/>
+                  <a:off x="2615053" y="684926"/>
+                  <a:ext cx="281000" cy="231154"/>
                 </a:xfrm>
                 <a:prstGeom prst="rect">
                   <a:avLst/>
@@ -5005,8 +5023,8 @@
               </p:nvSpPr>
               <p:spPr>
                 <a:xfrm>
-                  <a:off x="2471762" y="523611"/>
-                  <a:ext cx="540285" cy="230832"/>
+                  <a:off x="2473221" y="490713"/>
+                  <a:ext cx="420092" cy="230832"/>
                 </a:xfrm>
                 <a:prstGeom prst="rect">
                   <a:avLst/>
@@ -5019,10 +5037,11 @@
                 </a:bodyPr>
                 <a:lstStyle/>
                 <a:p>
+                  <a:pPr/>
                   <a14:m>
                     <m:oMathPara xmlns:m="http://schemas.openxmlformats.org/officeDocument/2006/math">
                       <m:oMathParaPr>
-                        <m:jc m:val="centerGroup"/>
+                        <m:jc m:val="right"/>
                       </m:oMathParaPr>
                       <m:oMath xmlns:m="http://schemas.openxmlformats.org/officeDocument/2006/math">
                         <m:acc>
@@ -5068,8 +5087,8 @@
               </p:nvSpPr>
               <p:spPr>
                 <a:xfrm>
-                  <a:off x="2471762" y="523611"/>
-                  <a:ext cx="540285" cy="230832"/>
+                  <a:off x="2473221" y="490713"/>
+                  <a:ext cx="420092" cy="230832"/>
                 </a:xfrm>
                 <a:prstGeom prst="rect">
                   <a:avLst/>
@@ -5077,7 +5096,7 @@
                 <a:blipFill>
                   <a:blip r:embed="rId9"/>
                   <a:stretch>
-                    <a:fillRect/>
+                    <a:fillRect r="-2899"/>
                   </a:stretch>
                 </a:blipFill>
               </p:spPr>
@@ -5111,10 +5130,10 @@
         </p:nvGrpSpPr>
         <p:grpSpPr>
           <a:xfrm>
-            <a:off x="5459019" y="498665"/>
-            <a:ext cx="1584589" cy="1246768"/>
-            <a:chOff x="1427458" y="493776"/>
-            <a:chExt cx="1584589" cy="1246768"/>
+            <a:off x="4721128" y="328740"/>
+            <a:ext cx="1711249" cy="1230549"/>
+            <a:chOff x="1469482" y="512567"/>
+            <a:chExt cx="1440807" cy="1230549"/>
           </a:xfrm>
         </p:grpSpPr>
         <p:sp>
@@ -5131,7 +5150,7 @@
           </p:nvSpPr>
           <p:spPr>
             <a:xfrm>
-              <a:off x="1469136" y="493776"/>
+              <a:off x="1474048" y="512567"/>
               <a:ext cx="1436241" cy="1230549"/>
             </a:xfrm>
             <a:prstGeom prst="rect">
@@ -5179,8 +5198,8 @@
           </p:nvSpPr>
           <p:spPr>
             <a:xfrm>
-              <a:off x="1450847" y="687557"/>
-              <a:ext cx="792480" cy="230832"/>
+              <a:off x="1473211" y="749449"/>
+              <a:ext cx="630300" cy="173877"/>
             </a:xfrm>
             <a:prstGeom prst="rect">
               <a:avLst/>
@@ -5195,49 +5214,9 @@
             <a:p>
               <a:r>
                 <a:rPr lang="en-US" altLang="zh-CN" sz="900" dirty="0"/>
-                <a:t>CLK</a:t>
+                <a:t>GPO</a:t>
               </a:r>
               <a:endParaRPr lang="zh-CN" altLang="en-US" sz="900" dirty="0"/>
-            </a:p>
-          </p:txBody>
-        </p:sp>
-        <p:sp>
-          <p:nvSpPr>
-            <p:cNvPr id="53" name="文本框 52">
-              <a:extLst>
-                <a:ext uri="{FF2B5EF4-FFF2-40B4-BE49-F238E27FC236}">
-                  <a16:creationId xmlns:a16="http://schemas.microsoft.com/office/drawing/2014/main" id="{9E91EF28-9EB5-467F-BC6A-F33734F09174}"/>
-                </a:ext>
-              </a:extLst>
-            </p:cNvPr>
-            <p:cNvSpPr txBox="1"/>
-            <p:nvPr/>
-          </p:nvSpPr>
-          <p:spPr>
-            <a:xfrm>
-              <a:off x="1479458" y="1509712"/>
-              <a:ext cx="735259" cy="230832"/>
-            </a:xfrm>
-            <a:prstGeom prst="rect">
-              <a:avLst/>
-            </a:prstGeom>
-            <a:noFill/>
-          </p:spPr>
-          <p:txBody>
-            <a:bodyPr wrap="square">
-              <a:spAutoFit/>
-            </a:bodyPr>
-            <a:lstStyle/>
-            <a:p>
-              <a:r>
-                <a:rPr lang="en-US" altLang="zh-CN" sz="900" dirty="0"/>
-                <a:t>DAISY_IN</a:t>
-              </a:r>
-              <a:r>
-                <a:rPr lang="en-US" altLang="zh-CN" sz="900" baseline="-25000" dirty="0"/>
-                <a:t>3</a:t>
-              </a:r>
-              <a:endParaRPr lang="zh-CN" altLang="en-US" sz="900" baseline="-25000" dirty="0"/>
             </a:p>
           </p:txBody>
         </p:sp>
@@ -5255,8 +5234,8 @@
           </p:nvSpPr>
           <p:spPr>
             <a:xfrm>
-              <a:off x="2471762" y="1438535"/>
-              <a:ext cx="540285" cy="230832"/>
+              <a:off x="1472640" y="1485602"/>
+              <a:ext cx="480655" cy="173878"/>
             </a:xfrm>
             <a:prstGeom prst="rect">
               <a:avLst/>
@@ -5271,11 +5250,7 @@
             <a:p>
               <a:r>
                 <a:rPr lang="en-US" altLang="zh-CN" sz="900" dirty="0"/>
-                <a:t>DOUT</a:t>
-              </a:r>
-              <a:r>
-                <a:rPr lang="en-US" altLang="zh-CN" sz="900" baseline="-25000" dirty="0"/>
-                <a:t>3</a:t>
+                <a:t>MISO</a:t>
               </a:r>
               <a:endParaRPr lang="zh-CN" altLang="en-US" sz="900" baseline="-25000" dirty="0"/>
             </a:p>
@@ -5295,8 +5270,8 @@
           </p:nvSpPr>
           <p:spPr>
             <a:xfrm>
-              <a:off x="2612788" y="1279928"/>
-              <a:ext cx="399259" cy="230832"/>
+              <a:off x="1469482" y="1328949"/>
+              <a:ext cx="522420" cy="173877"/>
             </a:xfrm>
             <a:prstGeom prst="rect">
               <a:avLst/>
@@ -5311,7 +5286,7 @@
             <a:p>
               <a:r>
                 <a:rPr lang="en-US" altLang="zh-CN" sz="900" dirty="0"/>
-                <a:t>DIN</a:t>
+                <a:t>MOSI</a:t>
               </a:r>
               <a:endParaRPr lang="zh-CN" altLang="en-US" sz="900" dirty="0"/>
             </a:p>
@@ -5331,8 +5306,8 @@
           </p:nvSpPr>
           <p:spPr>
             <a:xfrm>
-              <a:off x="2563376" y="1122049"/>
-              <a:ext cx="448671" cy="230832"/>
+              <a:off x="1477206" y="1173945"/>
+              <a:ext cx="505280" cy="173877"/>
             </a:xfrm>
             <a:prstGeom prst="rect">
               <a:avLst/>
@@ -5369,8 +5344,8 @@
               </p:nvSpPr>
               <p:spPr>
                 <a:xfrm>
-                  <a:off x="1427458" y="524410"/>
-                  <a:ext cx="352577" cy="231154"/>
+                  <a:off x="1469482" y="550691"/>
+                  <a:ext cx="399203" cy="173877"/>
                 </a:xfrm>
                 <a:prstGeom prst="rect">
                   <a:avLst/>
@@ -5401,13 +5376,10 @@
                           </m:accPr>
                           <m:e>
                             <m:r>
-                              <m:rPr>
-                                <m:sty m:val="p"/>
-                              </m:rPr>
-                              <a:rPr lang="en-US" altLang="zh-CN" sz="900" i="1" dirty="0">
+                              <a:rPr lang="en-US" altLang="zh-CN" sz="900" b="0" i="1" dirty="0" smtClean="0">
                                 <a:latin typeface="Cambria Math" panose="02040503050406030204" pitchFamily="18" charset="0"/>
                               </a:rPr>
-                              <m:t>CS</m:t>
+                              <m:t>𝐼𝑁𝑇</m:t>
                             </m:r>
                           </m:e>
                         </m:acc>
@@ -5436,8 +5408,8 @@
               </p:nvSpPr>
               <p:spPr>
                 <a:xfrm>
-                  <a:off x="1427458" y="524410"/>
-                  <a:ext cx="352577" cy="231154"/>
+                  <a:off x="1469482" y="550691"/>
+                  <a:ext cx="399203" cy="173877"/>
                 </a:xfrm>
                 <a:prstGeom prst="rect">
                   <a:avLst/>
@@ -5445,114 +5417,7 @@
                 <a:blipFill>
                   <a:blip r:embed="rId10"/>
                   <a:stretch>
-                    <a:fillRect/>
-                  </a:stretch>
-                </a:blipFill>
-              </p:spPr>
-              <p:txBody>
-                <a:bodyPr/>
-                <a:lstStyle/>
-                <a:p>
-                  <a:r>
-                    <a:rPr lang="zh-CN" altLang="en-US">
-                      <a:noFill/>
-                    </a:rPr>
-                    <a:t> </a:t>
-                  </a:r>
-                </a:p>
-              </p:txBody>
-            </p:sp>
-          </mc:Fallback>
-        </mc:AlternateContent>
-        <mc:AlternateContent xmlns:mc="http://schemas.openxmlformats.org/markup-compatibility/2006">
-          <mc:Choice xmlns:a14="http://schemas.microsoft.com/office/drawing/2010/main" Requires="a14">
-            <p:sp>
-              <p:nvSpPr>
-                <p:cNvPr id="58" name="文本框 57">
-                  <a:extLst>
-                    <a:ext uri="{FF2B5EF4-FFF2-40B4-BE49-F238E27FC236}">
-                      <a16:creationId xmlns:a16="http://schemas.microsoft.com/office/drawing/2014/main" id="{F3611DAE-153A-485A-97BB-67350D2B8F67}"/>
-                    </a:ext>
-                  </a:extLst>
-                </p:cNvPr>
-                <p:cNvSpPr txBox="1"/>
-                <p:nvPr/>
-              </p:nvSpPr>
-              <p:spPr>
-                <a:xfrm>
-                  <a:off x="2471762" y="523611"/>
-                  <a:ext cx="540285" cy="230832"/>
-                </a:xfrm>
-                <a:prstGeom prst="rect">
-                  <a:avLst/>
-                </a:prstGeom>
-                <a:noFill/>
-              </p:spPr>
-              <p:txBody>
-                <a:bodyPr wrap="square">
-                  <a:spAutoFit/>
-                </a:bodyPr>
-                <a:lstStyle/>
-                <a:p>
-                  <a14:m>
-                    <m:oMathPara xmlns:m="http://schemas.openxmlformats.org/officeDocument/2006/math">
-                      <m:oMathParaPr>
-                        <m:jc m:val="centerGroup"/>
-                      </m:oMathParaPr>
-                      <m:oMath xmlns:m="http://schemas.openxmlformats.org/officeDocument/2006/math">
-                        <m:acc>
-                          <m:accPr>
-                            <m:chr m:val="̅"/>
-                            <m:ctrlPr>
-                              <a:rPr lang="en-US" altLang="zh-CN" sz="900" i="1" dirty="0" smtClean="0">
-                                <a:latin typeface="Cambria Math" panose="02040503050406030204" pitchFamily="18" charset="0"/>
-                              </a:rPr>
-                            </m:ctrlPr>
-                          </m:accPr>
-                          <m:e>
-                            <m:r>
-                              <a:rPr lang="en-US" altLang="zh-CN" sz="900" b="0" i="1" dirty="0" smtClean="0">
-                                <a:latin typeface="Cambria Math" panose="02040503050406030204" pitchFamily="18" charset="0"/>
-                              </a:rPr>
-                              <m:t>𝐷𝑅𝐷𝑌</m:t>
-                            </m:r>
-                          </m:e>
-                        </m:acc>
-                      </m:oMath>
-                    </m:oMathPara>
-                  </a14:m>
-                  <a:endParaRPr lang="zh-CN" altLang="en-US" sz="900" dirty="0"/>
-                </a:p>
-              </p:txBody>
-            </p:sp>
-          </mc:Choice>
-          <mc:Fallback>
-            <p:sp>
-              <p:nvSpPr>
-                <p:cNvPr id="58" name="文本框 57">
-                  <a:extLst>
-                    <a:ext uri="{FF2B5EF4-FFF2-40B4-BE49-F238E27FC236}">
-                      <a16:creationId xmlns:a16="http://schemas.microsoft.com/office/drawing/2014/main" id="{F3611DAE-153A-485A-97BB-67350D2B8F67}"/>
-                    </a:ext>
-                  </a:extLst>
-                </p:cNvPr>
-                <p:cNvSpPr txBox="1">
-                  <a:spLocks noRot="1" noChangeAspect="1" noMove="1" noResize="1" noEditPoints="1" noAdjustHandles="1" noChangeArrowheads="1" noChangeShapeType="1" noTextEdit="1"/>
-                </p:cNvSpPr>
-                <p:nvPr/>
-              </p:nvSpPr>
-              <p:spPr>
-                <a:xfrm>
-                  <a:off x="2471762" y="523611"/>
-                  <a:ext cx="540285" cy="230832"/>
-                </a:xfrm>
-                <a:prstGeom prst="rect">
-                  <a:avLst/>
-                </a:prstGeom>
-                <a:blipFill>
-                  <a:blip r:embed="rId11"/>
-                  <a:stretch>
-                    <a:fillRect/>
+                    <a:fillRect b="-13793"/>
                   </a:stretch>
                 </a:blipFill>
               </p:spPr>
@@ -5572,6 +5437,1304 @@
           </mc:Fallback>
         </mc:AlternateContent>
       </p:grpSp>
+      <p:cxnSp>
+        <p:nvCxnSpPr>
+          <p:cNvPr id="3" name="连接符: 肘形 2">
+            <a:extLst>
+              <a:ext uri="{FF2B5EF4-FFF2-40B4-BE49-F238E27FC236}">
+                <a16:creationId xmlns:a16="http://schemas.microsoft.com/office/drawing/2014/main" id="{7DB50B80-E786-4785-8BAA-DF871BF3B07B}"/>
+              </a:ext>
+            </a:extLst>
+          </p:cNvPr>
+          <p:cNvCxnSpPr>
+            <a:cxnSpLocks/>
+            <a:stCxn id="52" idx="1"/>
+            <a:endCxn id="12" idx="3"/>
+          </p:cNvCxnSpPr>
+          <p:nvPr/>
+        </p:nvCxnSpPr>
+        <p:spPr>
+          <a:xfrm flipH="1" flipV="1">
+            <a:off x="3106225" y="648803"/>
+            <a:ext cx="1619333" cy="3758"/>
+          </a:xfrm>
+          <a:prstGeom prst="straightConnector1">
+            <a:avLst/>
+          </a:prstGeom>
+          <a:ln>
+            <a:tailEnd type="triangle"/>
+          </a:ln>
+        </p:spPr>
+        <p:style>
+          <a:lnRef idx="1">
+            <a:schemeClr val="dk1"/>
+          </a:lnRef>
+          <a:fillRef idx="0">
+            <a:schemeClr val="dk1"/>
+          </a:fillRef>
+          <a:effectRef idx="0">
+            <a:schemeClr val="dk1"/>
+          </a:effectRef>
+          <a:fontRef idx="minor">
+            <a:schemeClr val="tx1"/>
+          </a:fontRef>
+        </p:style>
+      </p:cxnSp>
+      <p:cxnSp>
+        <p:nvCxnSpPr>
+          <p:cNvPr id="14" name="连接符: 肘形 13">
+            <a:extLst>
+              <a:ext uri="{FF2B5EF4-FFF2-40B4-BE49-F238E27FC236}">
+                <a16:creationId xmlns:a16="http://schemas.microsoft.com/office/drawing/2014/main" id="{A36D7367-9D4A-4B69-B095-C40CE7AA3509}"/>
+              </a:ext>
+            </a:extLst>
+          </p:cNvPr>
+          <p:cNvCxnSpPr>
+            <a:stCxn id="13" idx="3"/>
+            <a:endCxn id="57" idx="1"/>
+          </p:cNvCxnSpPr>
+          <p:nvPr/>
+        </p:nvCxnSpPr>
+        <p:spPr>
+          <a:xfrm>
+            <a:off x="3104553" y="451022"/>
+            <a:ext cx="1616575" cy="2781"/>
+          </a:xfrm>
+          <a:prstGeom prst="straightConnector1">
+            <a:avLst/>
+          </a:prstGeom>
+          <a:ln>
+            <a:tailEnd type="triangle"/>
+          </a:ln>
+        </p:spPr>
+        <p:style>
+          <a:lnRef idx="1">
+            <a:schemeClr val="dk1"/>
+          </a:lnRef>
+          <a:fillRef idx="0">
+            <a:schemeClr val="dk1"/>
+          </a:fillRef>
+          <a:effectRef idx="0">
+            <a:schemeClr val="dk1"/>
+          </a:effectRef>
+          <a:fontRef idx="minor">
+            <a:schemeClr val="tx1"/>
+          </a:fontRef>
+        </p:style>
+      </p:cxnSp>
+      <p:cxnSp>
+        <p:nvCxnSpPr>
+          <p:cNvPr id="63" name="连接符: 肘形 2">
+            <a:extLst>
+              <a:ext uri="{FF2B5EF4-FFF2-40B4-BE49-F238E27FC236}">
+                <a16:creationId xmlns:a16="http://schemas.microsoft.com/office/drawing/2014/main" id="{184D7EB2-E600-40AB-AE7B-86720573E8E2}"/>
+              </a:ext>
+            </a:extLst>
+          </p:cNvPr>
+          <p:cNvCxnSpPr>
+            <a:cxnSpLocks/>
+            <a:stCxn id="56" idx="1"/>
+            <a:endCxn id="11" idx="3"/>
+          </p:cNvCxnSpPr>
+          <p:nvPr/>
+        </p:nvCxnSpPr>
+        <p:spPr>
+          <a:xfrm flipH="1" flipV="1">
+            <a:off x="3109976" y="1072430"/>
+            <a:ext cx="1620326" cy="4627"/>
+          </a:xfrm>
+          <a:prstGeom prst="straightConnector1">
+            <a:avLst/>
+          </a:prstGeom>
+          <a:ln>
+            <a:tailEnd type="triangle"/>
+          </a:ln>
+        </p:spPr>
+        <p:style>
+          <a:lnRef idx="1">
+            <a:schemeClr val="dk1"/>
+          </a:lnRef>
+          <a:fillRef idx="0">
+            <a:schemeClr val="dk1"/>
+          </a:fillRef>
+          <a:effectRef idx="0">
+            <a:schemeClr val="dk1"/>
+          </a:effectRef>
+          <a:fontRef idx="minor">
+            <a:schemeClr val="tx1"/>
+          </a:fontRef>
+        </p:style>
+      </p:cxnSp>
+      <p:cxnSp>
+        <p:nvCxnSpPr>
+          <p:cNvPr id="64" name="连接符: 肘形 2">
+            <a:extLst>
+              <a:ext uri="{FF2B5EF4-FFF2-40B4-BE49-F238E27FC236}">
+                <a16:creationId xmlns:a16="http://schemas.microsoft.com/office/drawing/2014/main" id="{45829FC0-125B-47D0-83DC-D6A551C8AAA7}"/>
+              </a:ext>
+            </a:extLst>
+          </p:cNvPr>
+          <p:cNvCxnSpPr>
+            <a:cxnSpLocks/>
+            <a:stCxn id="55" idx="1"/>
+            <a:endCxn id="10" idx="3"/>
+          </p:cNvCxnSpPr>
+          <p:nvPr/>
+        </p:nvCxnSpPr>
+        <p:spPr>
+          <a:xfrm flipH="1" flipV="1">
+            <a:off x="3109976" y="1230309"/>
+            <a:ext cx="1611152" cy="1752"/>
+          </a:xfrm>
+          <a:prstGeom prst="straightConnector1">
+            <a:avLst/>
+          </a:prstGeom>
+          <a:ln>
+            <a:tailEnd type="triangle"/>
+          </a:ln>
+        </p:spPr>
+        <p:style>
+          <a:lnRef idx="1">
+            <a:schemeClr val="dk1"/>
+          </a:lnRef>
+          <a:fillRef idx="0">
+            <a:schemeClr val="dk1"/>
+          </a:fillRef>
+          <a:effectRef idx="0">
+            <a:schemeClr val="dk1"/>
+          </a:effectRef>
+          <a:fontRef idx="minor">
+            <a:schemeClr val="tx1"/>
+          </a:fontRef>
+        </p:style>
+      </p:cxnSp>
+      <p:cxnSp>
+        <p:nvCxnSpPr>
+          <p:cNvPr id="69" name="连接符: 肘形 13">
+            <a:extLst>
+              <a:ext uri="{FF2B5EF4-FFF2-40B4-BE49-F238E27FC236}">
+                <a16:creationId xmlns:a16="http://schemas.microsoft.com/office/drawing/2014/main" id="{512C9799-8221-469A-B5F4-B5804326B6B9}"/>
+              </a:ext>
+            </a:extLst>
+          </p:cNvPr>
+          <p:cNvCxnSpPr>
+            <a:cxnSpLocks/>
+            <a:stCxn id="9" idx="3"/>
+            <a:endCxn id="54" idx="1"/>
+          </p:cNvCxnSpPr>
+          <p:nvPr/>
+        </p:nvCxnSpPr>
+        <p:spPr>
+          <a:xfrm flipV="1">
+            <a:off x="3109976" y="1388714"/>
+            <a:ext cx="1614903" cy="202"/>
+          </a:xfrm>
+          <a:prstGeom prst="straightConnector1">
+            <a:avLst/>
+          </a:prstGeom>
+          <a:ln>
+            <a:tailEnd type="triangle"/>
+          </a:ln>
+        </p:spPr>
+        <p:style>
+          <a:lnRef idx="1">
+            <a:schemeClr val="dk1"/>
+          </a:lnRef>
+          <a:fillRef idx="0">
+            <a:schemeClr val="dk1"/>
+          </a:fillRef>
+          <a:effectRef idx="0">
+            <a:schemeClr val="dk1"/>
+          </a:effectRef>
+          <a:fontRef idx="minor">
+            <a:schemeClr val="tx1"/>
+          </a:fontRef>
+        </p:style>
+      </p:cxnSp>
+      <p:cxnSp>
+        <p:nvCxnSpPr>
+          <p:cNvPr id="84" name="连接符: 肘形 2">
+            <a:extLst>
+              <a:ext uri="{FF2B5EF4-FFF2-40B4-BE49-F238E27FC236}">
+                <a16:creationId xmlns:a16="http://schemas.microsoft.com/office/drawing/2014/main" id="{C9C97378-59CB-4BB3-BE20-3BB18DC4D828}"/>
+              </a:ext>
+            </a:extLst>
+          </p:cNvPr>
+          <p:cNvCxnSpPr>
+            <a:cxnSpLocks/>
+            <a:stCxn id="8" idx="2"/>
+            <a:endCxn id="24" idx="0"/>
+          </p:cNvCxnSpPr>
+          <p:nvPr/>
+        </p:nvCxnSpPr>
+        <p:spPr>
+          <a:xfrm>
+            <a:off x="2146996" y="1545561"/>
+            <a:ext cx="6473" cy="401421"/>
+          </a:xfrm>
+          <a:prstGeom prst="straightConnector1">
+            <a:avLst/>
+          </a:prstGeom>
+          <a:ln>
+            <a:headEnd type="triangle"/>
+            <a:tailEnd type="triangle"/>
+          </a:ln>
+        </p:spPr>
+        <p:style>
+          <a:lnRef idx="1">
+            <a:schemeClr val="dk1"/>
+          </a:lnRef>
+          <a:fillRef idx="0">
+            <a:schemeClr val="dk1"/>
+          </a:fillRef>
+          <a:effectRef idx="0">
+            <a:schemeClr val="dk1"/>
+          </a:effectRef>
+          <a:fontRef idx="minor">
+            <a:schemeClr val="tx1"/>
+          </a:fontRef>
+        </p:style>
+      </p:cxnSp>
+      <p:cxnSp>
+        <p:nvCxnSpPr>
+          <p:cNvPr id="91" name="连接符: 肘形 2">
+            <a:extLst>
+              <a:ext uri="{FF2B5EF4-FFF2-40B4-BE49-F238E27FC236}">
+                <a16:creationId xmlns:a16="http://schemas.microsoft.com/office/drawing/2014/main" id="{37966B56-9BE3-4921-84C6-FEDB67A2886C}"/>
+              </a:ext>
+            </a:extLst>
+          </p:cNvPr>
+          <p:cNvCxnSpPr>
+            <a:cxnSpLocks/>
+            <a:stCxn id="23" idx="2"/>
+            <a:endCxn id="34" idx="0"/>
+          </p:cNvCxnSpPr>
+          <p:nvPr/>
+        </p:nvCxnSpPr>
+        <p:spPr>
+          <a:xfrm>
+            <a:off x="2146996" y="3177468"/>
+            <a:ext cx="1" cy="429086"/>
+          </a:xfrm>
+          <a:prstGeom prst="straightConnector1">
+            <a:avLst/>
+          </a:prstGeom>
+          <a:ln>
+            <a:headEnd type="triangle"/>
+            <a:tailEnd type="triangle"/>
+          </a:ln>
+        </p:spPr>
+        <p:style>
+          <a:lnRef idx="1">
+            <a:schemeClr val="dk1"/>
+          </a:lnRef>
+          <a:fillRef idx="0">
+            <a:schemeClr val="dk1"/>
+          </a:fillRef>
+          <a:effectRef idx="0">
+            <a:schemeClr val="dk1"/>
+          </a:effectRef>
+          <a:fontRef idx="minor">
+            <a:schemeClr val="tx1"/>
+          </a:fontRef>
+        </p:style>
+      </p:cxnSp>
+      <p:cxnSp>
+        <p:nvCxnSpPr>
+          <p:cNvPr id="92" name="连接符: 肘形 2">
+            <a:extLst>
+              <a:ext uri="{FF2B5EF4-FFF2-40B4-BE49-F238E27FC236}">
+                <a16:creationId xmlns:a16="http://schemas.microsoft.com/office/drawing/2014/main" id="{6A73256C-9313-49F1-8809-D6D55EEBAD35}"/>
+              </a:ext>
+            </a:extLst>
+          </p:cNvPr>
+          <p:cNvCxnSpPr>
+            <a:cxnSpLocks/>
+            <a:stCxn id="33" idx="2"/>
+            <a:endCxn id="44" idx="0"/>
+          </p:cNvCxnSpPr>
+          <p:nvPr/>
+        </p:nvCxnSpPr>
+        <p:spPr>
+          <a:xfrm flipH="1">
+            <a:off x="2151404" y="4837052"/>
+            <a:ext cx="2064" cy="476584"/>
+          </a:xfrm>
+          <a:prstGeom prst="straightConnector1">
+            <a:avLst/>
+          </a:prstGeom>
+          <a:ln>
+            <a:headEnd type="triangle"/>
+            <a:tailEnd type="triangle"/>
+          </a:ln>
+        </p:spPr>
+        <p:style>
+          <a:lnRef idx="1">
+            <a:schemeClr val="dk1"/>
+          </a:lnRef>
+          <a:fillRef idx="0">
+            <a:schemeClr val="dk1"/>
+          </a:fillRef>
+          <a:effectRef idx="0">
+            <a:schemeClr val="dk1"/>
+          </a:effectRef>
+          <a:fontRef idx="minor">
+            <a:schemeClr val="tx1"/>
+          </a:fontRef>
+        </p:style>
+      </p:cxnSp>
+      <p:cxnSp>
+        <p:nvCxnSpPr>
+          <p:cNvPr id="97" name="连接符: 肘形 13">
+            <a:extLst>
+              <a:ext uri="{FF2B5EF4-FFF2-40B4-BE49-F238E27FC236}">
+                <a16:creationId xmlns:a16="http://schemas.microsoft.com/office/drawing/2014/main" id="{857B439B-3CE9-4ECA-A8D3-9E45BEAF6A92}"/>
+              </a:ext>
+            </a:extLst>
+          </p:cNvPr>
+          <p:cNvCxnSpPr>
+            <a:cxnSpLocks/>
+            <a:endCxn id="25" idx="3"/>
+          </p:cNvCxnSpPr>
+          <p:nvPr/>
+        </p:nvCxnSpPr>
+        <p:spPr>
+          <a:xfrm rot="5400000">
+            <a:off x="2887101" y="1434302"/>
+            <a:ext cx="1606324" cy="1211035"/>
+          </a:xfrm>
+          <a:prstGeom prst="bentConnector2">
+            <a:avLst/>
+          </a:prstGeom>
+          <a:ln>
+            <a:headEnd type="oval"/>
+            <a:tailEnd type="triangle"/>
+          </a:ln>
+        </p:spPr>
+        <p:style>
+          <a:lnRef idx="1">
+            <a:schemeClr val="dk1"/>
+          </a:lnRef>
+          <a:fillRef idx="0">
+            <a:schemeClr val="dk1"/>
+          </a:fillRef>
+          <a:effectRef idx="0">
+            <a:schemeClr val="dk1"/>
+          </a:effectRef>
+          <a:fontRef idx="minor">
+            <a:schemeClr val="tx1"/>
+          </a:fontRef>
+        </p:style>
+      </p:cxnSp>
+      <p:cxnSp>
+        <p:nvCxnSpPr>
+          <p:cNvPr id="103" name="连接符: 肘形 13">
+            <a:extLst>
+              <a:ext uri="{FF2B5EF4-FFF2-40B4-BE49-F238E27FC236}">
+                <a16:creationId xmlns:a16="http://schemas.microsoft.com/office/drawing/2014/main" id="{D4D71943-04A9-49AF-9087-9F156E1EBFA6}"/>
+              </a:ext>
+            </a:extLst>
+          </p:cNvPr>
+          <p:cNvCxnSpPr>
+            <a:cxnSpLocks/>
+            <a:endCxn id="26" idx="3"/>
+          </p:cNvCxnSpPr>
+          <p:nvPr/>
+        </p:nvCxnSpPr>
+        <p:spPr>
+          <a:xfrm rot="5400000">
+            <a:off x="2750880" y="1400150"/>
+            <a:ext cx="1618817" cy="951086"/>
+          </a:xfrm>
+          <a:prstGeom prst="bentConnector2">
+            <a:avLst/>
+          </a:prstGeom>
+          <a:ln>
+            <a:headEnd type="oval"/>
+            <a:tailEnd type="triangle"/>
+          </a:ln>
+        </p:spPr>
+        <p:style>
+          <a:lnRef idx="1">
+            <a:schemeClr val="dk1"/>
+          </a:lnRef>
+          <a:fillRef idx="0">
+            <a:schemeClr val="dk1"/>
+          </a:fillRef>
+          <a:effectRef idx="0">
+            <a:schemeClr val="dk1"/>
+          </a:effectRef>
+          <a:fontRef idx="minor">
+            <a:schemeClr val="tx1"/>
+          </a:fontRef>
+        </p:style>
+      </p:cxnSp>
+      <p:cxnSp>
+        <p:nvCxnSpPr>
+          <p:cNvPr id="107" name="连接符: 肘形 13">
+            <a:extLst>
+              <a:ext uri="{FF2B5EF4-FFF2-40B4-BE49-F238E27FC236}">
+                <a16:creationId xmlns:a16="http://schemas.microsoft.com/office/drawing/2014/main" id="{F1D709E4-613C-416F-B013-AD21F6C4493E}"/>
+              </a:ext>
+            </a:extLst>
+          </p:cNvPr>
+          <p:cNvCxnSpPr>
+            <a:cxnSpLocks/>
+            <a:endCxn id="27" idx="3"/>
+          </p:cNvCxnSpPr>
+          <p:nvPr/>
+        </p:nvCxnSpPr>
+        <p:spPr>
+          <a:xfrm rot="5400000">
+            <a:off x="2614878" y="1115731"/>
+            <a:ext cx="1609797" cy="670061"/>
+          </a:xfrm>
+          <a:prstGeom prst="bentConnector2">
+            <a:avLst/>
+          </a:prstGeom>
+          <a:ln>
+            <a:headEnd type="oval"/>
+            <a:tailEnd type="triangle"/>
+          </a:ln>
+        </p:spPr>
+        <p:style>
+          <a:lnRef idx="1">
+            <a:schemeClr val="dk1"/>
+          </a:lnRef>
+          <a:fillRef idx="0">
+            <a:schemeClr val="dk1"/>
+          </a:fillRef>
+          <a:effectRef idx="0">
+            <a:schemeClr val="dk1"/>
+          </a:effectRef>
+          <a:fontRef idx="minor">
+            <a:schemeClr val="tx1"/>
+          </a:fontRef>
+        </p:style>
+      </p:cxnSp>
+      <p:cxnSp>
+        <p:nvCxnSpPr>
+          <p:cNvPr id="111" name="连接符: 肘形 13">
+            <a:extLst>
+              <a:ext uri="{FF2B5EF4-FFF2-40B4-BE49-F238E27FC236}">
+                <a16:creationId xmlns:a16="http://schemas.microsoft.com/office/drawing/2014/main" id="{96FA8585-F00D-49D0-AB3A-E96C613E0F54}"/>
+              </a:ext>
+            </a:extLst>
+          </p:cNvPr>
+          <p:cNvCxnSpPr>
+            <a:cxnSpLocks/>
+            <a:endCxn id="35" idx="3"/>
+          </p:cNvCxnSpPr>
+          <p:nvPr/>
+        </p:nvCxnSpPr>
+        <p:spPr>
+          <a:xfrm rot="5400000">
+            <a:off x="2035204" y="2306007"/>
+            <a:ext cx="3329926" cy="1191227"/>
+          </a:xfrm>
+          <a:prstGeom prst="bentConnector2">
+            <a:avLst/>
+          </a:prstGeom>
+          <a:ln>
+            <a:headEnd type="oval"/>
+            <a:tailEnd type="triangle"/>
+          </a:ln>
+        </p:spPr>
+        <p:style>
+          <a:lnRef idx="1">
+            <a:schemeClr val="dk1"/>
+          </a:lnRef>
+          <a:fillRef idx="0">
+            <a:schemeClr val="dk1"/>
+          </a:fillRef>
+          <a:effectRef idx="0">
+            <a:schemeClr val="dk1"/>
+          </a:effectRef>
+          <a:fontRef idx="minor">
+            <a:schemeClr val="tx1"/>
+          </a:fontRef>
+        </p:style>
+      </p:cxnSp>
+      <p:cxnSp>
+        <p:nvCxnSpPr>
+          <p:cNvPr id="113" name="连接符: 肘形 13">
+            <a:extLst>
+              <a:ext uri="{FF2B5EF4-FFF2-40B4-BE49-F238E27FC236}">
+                <a16:creationId xmlns:a16="http://schemas.microsoft.com/office/drawing/2014/main" id="{7F05F388-4384-4142-A09E-E02CF087A90D}"/>
+              </a:ext>
+            </a:extLst>
+          </p:cNvPr>
+          <p:cNvCxnSpPr>
+            <a:cxnSpLocks/>
+            <a:endCxn id="45" idx="3"/>
+          </p:cNvCxnSpPr>
+          <p:nvPr/>
+        </p:nvCxnSpPr>
+        <p:spPr>
+          <a:xfrm rot="5400000">
+            <a:off x="1221672" y="3113461"/>
+            <a:ext cx="4950910" cy="1197304"/>
+          </a:xfrm>
+          <a:prstGeom prst="bentConnector2">
+            <a:avLst/>
+          </a:prstGeom>
+          <a:ln>
+            <a:headEnd type="oval"/>
+            <a:tailEnd type="triangle"/>
+          </a:ln>
+        </p:spPr>
+        <p:style>
+          <a:lnRef idx="1">
+            <a:schemeClr val="dk1"/>
+          </a:lnRef>
+          <a:fillRef idx="0">
+            <a:schemeClr val="dk1"/>
+          </a:fillRef>
+          <a:effectRef idx="0">
+            <a:schemeClr val="dk1"/>
+          </a:effectRef>
+          <a:fontRef idx="minor">
+            <a:schemeClr val="tx1"/>
+          </a:fontRef>
+        </p:style>
+      </p:cxnSp>
+      <p:cxnSp>
+        <p:nvCxnSpPr>
+          <p:cNvPr id="115" name="连接符: 肘形 13">
+            <a:extLst>
+              <a:ext uri="{FF2B5EF4-FFF2-40B4-BE49-F238E27FC236}">
+                <a16:creationId xmlns:a16="http://schemas.microsoft.com/office/drawing/2014/main" id="{7E12622B-4560-4772-ADBD-A219DB7775B1}"/>
+              </a:ext>
+            </a:extLst>
+          </p:cNvPr>
+          <p:cNvCxnSpPr>
+            <a:cxnSpLocks/>
+            <a:endCxn id="36" idx="3"/>
+          </p:cNvCxnSpPr>
+          <p:nvPr/>
+        </p:nvCxnSpPr>
+        <p:spPr>
+          <a:xfrm rot="5400000">
+            <a:off x="1899106" y="2271587"/>
+            <a:ext cx="3342564" cy="931670"/>
+          </a:xfrm>
+          <a:prstGeom prst="bentConnector2">
+            <a:avLst/>
+          </a:prstGeom>
+          <a:ln>
+            <a:headEnd type="oval"/>
+            <a:tailEnd type="triangle"/>
+          </a:ln>
+        </p:spPr>
+        <p:style>
+          <a:lnRef idx="1">
+            <a:schemeClr val="dk1"/>
+          </a:lnRef>
+          <a:fillRef idx="0">
+            <a:schemeClr val="dk1"/>
+          </a:fillRef>
+          <a:effectRef idx="0">
+            <a:schemeClr val="dk1"/>
+          </a:effectRef>
+          <a:fontRef idx="minor">
+            <a:schemeClr val="tx1"/>
+          </a:fontRef>
+        </p:style>
+      </p:cxnSp>
+      <p:cxnSp>
+        <p:nvCxnSpPr>
+          <p:cNvPr id="118" name="连接符: 肘形 13">
+            <a:extLst>
+              <a:ext uri="{FF2B5EF4-FFF2-40B4-BE49-F238E27FC236}">
+                <a16:creationId xmlns:a16="http://schemas.microsoft.com/office/drawing/2014/main" id="{E4E48156-1105-4C15-B468-7482BB9F7970}"/>
+              </a:ext>
+            </a:extLst>
+          </p:cNvPr>
+          <p:cNvCxnSpPr>
+            <a:cxnSpLocks/>
+            <a:endCxn id="46" idx="3"/>
+          </p:cNvCxnSpPr>
+          <p:nvPr/>
+        </p:nvCxnSpPr>
+        <p:spPr>
+          <a:xfrm rot="5400000">
+            <a:off x="1106542" y="3078180"/>
+            <a:ext cx="4928898" cy="922029"/>
+          </a:xfrm>
+          <a:prstGeom prst="bentConnector2">
+            <a:avLst/>
+          </a:prstGeom>
+          <a:ln>
+            <a:headEnd type="oval"/>
+            <a:tailEnd type="triangle"/>
+          </a:ln>
+        </p:spPr>
+        <p:style>
+          <a:lnRef idx="1">
+            <a:schemeClr val="dk1"/>
+          </a:lnRef>
+          <a:fillRef idx="0">
+            <a:schemeClr val="dk1"/>
+          </a:fillRef>
+          <a:effectRef idx="0">
+            <a:schemeClr val="dk1"/>
+          </a:effectRef>
+          <a:fontRef idx="minor">
+            <a:schemeClr val="tx1"/>
+          </a:fontRef>
+        </p:style>
+      </p:cxnSp>
+      <p:cxnSp>
+        <p:nvCxnSpPr>
+          <p:cNvPr id="122" name="连接符: 肘形 13">
+            <a:extLst>
+              <a:ext uri="{FF2B5EF4-FFF2-40B4-BE49-F238E27FC236}">
+                <a16:creationId xmlns:a16="http://schemas.microsoft.com/office/drawing/2014/main" id="{09AE2A98-A1A1-468E-8D1E-1F79D678B3EE}"/>
+              </a:ext>
+            </a:extLst>
+          </p:cNvPr>
+          <p:cNvCxnSpPr>
+            <a:cxnSpLocks/>
+            <a:endCxn id="37" idx="3"/>
+          </p:cNvCxnSpPr>
+          <p:nvPr/>
+        </p:nvCxnSpPr>
+        <p:spPr>
+          <a:xfrm rot="5400000">
+            <a:off x="1765877" y="1990929"/>
+            <a:ext cx="3327010" cy="649657"/>
+          </a:xfrm>
+          <a:prstGeom prst="bentConnector2">
+            <a:avLst/>
+          </a:prstGeom>
+          <a:ln>
+            <a:headEnd type="oval"/>
+            <a:tailEnd type="triangle"/>
+          </a:ln>
+        </p:spPr>
+        <p:style>
+          <a:lnRef idx="1">
+            <a:schemeClr val="dk1"/>
+          </a:lnRef>
+          <a:fillRef idx="0">
+            <a:schemeClr val="dk1"/>
+          </a:fillRef>
+          <a:effectRef idx="0">
+            <a:schemeClr val="dk1"/>
+          </a:effectRef>
+          <a:fontRef idx="minor">
+            <a:schemeClr val="tx1"/>
+          </a:fontRef>
+        </p:style>
+      </p:cxnSp>
+      <p:cxnSp>
+        <p:nvCxnSpPr>
+          <p:cNvPr id="124" name="连接符: 肘形 13">
+            <a:extLst>
+              <a:ext uri="{FF2B5EF4-FFF2-40B4-BE49-F238E27FC236}">
+                <a16:creationId xmlns:a16="http://schemas.microsoft.com/office/drawing/2014/main" id="{2F99D602-9AB0-487E-9705-7600BCC9BA01}"/>
+              </a:ext>
+            </a:extLst>
+          </p:cNvPr>
+          <p:cNvCxnSpPr>
+            <a:cxnSpLocks/>
+            <a:endCxn id="47" idx="3"/>
+          </p:cNvCxnSpPr>
+          <p:nvPr/>
+        </p:nvCxnSpPr>
+        <p:spPr>
+          <a:xfrm rot="5400000">
+            <a:off x="942845" y="2811460"/>
+            <a:ext cx="4972004" cy="651929"/>
+          </a:xfrm>
+          <a:prstGeom prst="bentConnector2">
+            <a:avLst/>
+          </a:prstGeom>
+          <a:ln>
+            <a:headEnd type="oval"/>
+            <a:tailEnd type="triangle"/>
+          </a:ln>
+        </p:spPr>
+        <p:style>
+          <a:lnRef idx="1">
+            <a:schemeClr val="dk1"/>
+          </a:lnRef>
+          <a:fillRef idx="0">
+            <a:schemeClr val="dk1"/>
+          </a:fillRef>
+          <a:effectRef idx="0">
+            <a:schemeClr val="dk1"/>
+          </a:effectRef>
+          <a:fontRef idx="minor">
+            <a:schemeClr val="tx1"/>
+          </a:fontRef>
+        </p:style>
+      </p:cxnSp>
+      <p:cxnSp>
+        <p:nvCxnSpPr>
+          <p:cNvPr id="131" name="连接符: 肘形 13">
+            <a:extLst>
+              <a:ext uri="{FF2B5EF4-FFF2-40B4-BE49-F238E27FC236}">
+                <a16:creationId xmlns:a16="http://schemas.microsoft.com/office/drawing/2014/main" id="{7EE377B9-0E4D-47EE-AC28-2F0EE41D915B}"/>
+              </a:ext>
+            </a:extLst>
+          </p:cNvPr>
+          <p:cNvCxnSpPr>
+            <a:cxnSpLocks/>
+            <a:endCxn id="22" idx="1"/>
+          </p:cNvCxnSpPr>
+          <p:nvPr/>
+        </p:nvCxnSpPr>
+        <p:spPr>
+          <a:xfrm rot="16200000" flipH="1">
+            <a:off x="366589" y="1136977"/>
+            <a:ext cx="1778915" cy="783838"/>
+          </a:xfrm>
+          <a:prstGeom prst="bentConnector2">
+            <a:avLst/>
+          </a:prstGeom>
+          <a:ln>
+            <a:headEnd type="oval"/>
+            <a:tailEnd type="triangle"/>
+          </a:ln>
+        </p:spPr>
+        <p:style>
+          <a:lnRef idx="1">
+            <a:schemeClr val="dk1"/>
+          </a:lnRef>
+          <a:fillRef idx="0">
+            <a:schemeClr val="dk1"/>
+          </a:fillRef>
+          <a:effectRef idx="0">
+            <a:schemeClr val="dk1"/>
+          </a:effectRef>
+          <a:fontRef idx="minor">
+            <a:schemeClr val="tx1"/>
+          </a:fontRef>
+        </p:style>
+      </p:cxnSp>
+      <p:cxnSp>
+        <p:nvCxnSpPr>
+          <p:cNvPr id="137" name="连接符: 肘形 13">
+            <a:extLst>
+              <a:ext uri="{FF2B5EF4-FFF2-40B4-BE49-F238E27FC236}">
+                <a16:creationId xmlns:a16="http://schemas.microsoft.com/office/drawing/2014/main" id="{08C66A86-C1C2-47A0-AEB6-C232081A399A}"/>
+              </a:ext>
+            </a:extLst>
+          </p:cNvPr>
+          <p:cNvCxnSpPr>
+            <a:cxnSpLocks/>
+            <a:endCxn id="21" idx="1"/>
+          </p:cNvCxnSpPr>
+          <p:nvPr/>
+        </p:nvCxnSpPr>
+        <p:spPr>
+          <a:xfrm rot="16200000" flipH="1">
+            <a:off x="563136" y="1139738"/>
+            <a:ext cx="1763054" cy="431566"/>
+          </a:xfrm>
+          <a:prstGeom prst="bentConnector2">
+            <a:avLst/>
+          </a:prstGeom>
+          <a:ln>
+            <a:headEnd type="oval"/>
+            <a:tailEnd type="triangle"/>
+          </a:ln>
+        </p:spPr>
+        <p:style>
+          <a:lnRef idx="1">
+            <a:schemeClr val="dk1"/>
+          </a:lnRef>
+          <a:fillRef idx="0">
+            <a:schemeClr val="dk1"/>
+          </a:fillRef>
+          <a:effectRef idx="0">
+            <a:schemeClr val="dk1"/>
+          </a:effectRef>
+          <a:fontRef idx="minor">
+            <a:schemeClr val="tx1"/>
+          </a:fontRef>
+        </p:style>
+      </p:cxnSp>
+      <p:cxnSp>
+        <p:nvCxnSpPr>
+          <p:cNvPr id="142" name="连接符: 肘形 13">
+            <a:extLst>
+              <a:ext uri="{FF2B5EF4-FFF2-40B4-BE49-F238E27FC236}">
+                <a16:creationId xmlns:a16="http://schemas.microsoft.com/office/drawing/2014/main" id="{FE27AFFA-9C8A-4D68-99C9-BB45864058B5}"/>
+              </a:ext>
+            </a:extLst>
+          </p:cNvPr>
+          <p:cNvCxnSpPr>
+            <a:cxnSpLocks/>
+          </p:cNvCxnSpPr>
+          <p:nvPr/>
+        </p:nvCxnSpPr>
+        <p:spPr>
+          <a:xfrm rot="16200000" flipH="1">
+            <a:off x="-459979" y="1963877"/>
+            <a:ext cx="3462143" cy="812727"/>
+          </a:xfrm>
+          <a:prstGeom prst="bentConnector2">
+            <a:avLst/>
+          </a:prstGeom>
+          <a:ln>
+            <a:headEnd type="oval"/>
+            <a:tailEnd type="triangle"/>
+          </a:ln>
+        </p:spPr>
+        <p:style>
+          <a:lnRef idx="1">
+            <a:schemeClr val="dk1"/>
+          </a:lnRef>
+          <a:fillRef idx="0">
+            <a:schemeClr val="dk1"/>
+          </a:fillRef>
+          <a:effectRef idx="0">
+            <a:schemeClr val="dk1"/>
+          </a:effectRef>
+          <a:fontRef idx="minor">
+            <a:schemeClr val="tx1"/>
+          </a:fontRef>
+        </p:style>
+      </p:cxnSp>
+      <p:cxnSp>
+        <p:nvCxnSpPr>
+          <p:cNvPr id="144" name="连接符: 肘形 13">
+            <a:extLst>
+              <a:ext uri="{FF2B5EF4-FFF2-40B4-BE49-F238E27FC236}">
+                <a16:creationId xmlns:a16="http://schemas.microsoft.com/office/drawing/2014/main" id="{926FB78F-B164-4B76-9B4D-1E1F9C2D54BA}"/>
+              </a:ext>
+            </a:extLst>
+          </p:cNvPr>
+          <p:cNvCxnSpPr>
+            <a:cxnSpLocks/>
+          </p:cNvCxnSpPr>
+          <p:nvPr/>
+        </p:nvCxnSpPr>
+        <p:spPr>
+          <a:xfrm rot="16200000" flipH="1">
+            <a:off x="-1285698" y="2785702"/>
+            <a:ext cx="5109764" cy="816543"/>
+          </a:xfrm>
+          <a:prstGeom prst="bentConnector2">
+            <a:avLst/>
+          </a:prstGeom>
+          <a:ln>
+            <a:headEnd type="oval"/>
+            <a:tailEnd type="triangle"/>
+          </a:ln>
+        </p:spPr>
+        <p:style>
+          <a:lnRef idx="1">
+            <a:schemeClr val="dk1"/>
+          </a:lnRef>
+          <a:fillRef idx="0">
+            <a:schemeClr val="dk1"/>
+          </a:fillRef>
+          <a:effectRef idx="0">
+            <a:schemeClr val="dk1"/>
+          </a:effectRef>
+          <a:fontRef idx="minor">
+            <a:schemeClr val="tx1"/>
+          </a:fontRef>
+        </p:style>
+      </p:cxnSp>
+      <p:cxnSp>
+        <p:nvCxnSpPr>
+          <p:cNvPr id="146" name="连接符: 肘形 13">
+            <a:extLst>
+              <a:ext uri="{FF2B5EF4-FFF2-40B4-BE49-F238E27FC236}">
+                <a16:creationId xmlns:a16="http://schemas.microsoft.com/office/drawing/2014/main" id="{1F4FC34A-2307-4898-87D9-3268AC281210}"/>
+              </a:ext>
+            </a:extLst>
+          </p:cNvPr>
+          <p:cNvCxnSpPr>
+            <a:cxnSpLocks/>
+            <a:endCxn id="31" idx="1"/>
+          </p:cNvCxnSpPr>
+          <p:nvPr/>
+        </p:nvCxnSpPr>
+        <p:spPr>
+          <a:xfrm rot="16200000" flipH="1">
+            <a:off x="-269080" y="1971955"/>
+            <a:ext cx="3446317" cy="450398"/>
+          </a:xfrm>
+          <a:prstGeom prst="bentConnector2">
+            <a:avLst/>
+          </a:prstGeom>
+          <a:ln>
+            <a:headEnd type="oval"/>
+            <a:tailEnd type="triangle"/>
+          </a:ln>
+        </p:spPr>
+        <p:style>
+          <a:lnRef idx="1">
+            <a:schemeClr val="dk1"/>
+          </a:lnRef>
+          <a:fillRef idx="0">
+            <a:schemeClr val="dk1"/>
+          </a:fillRef>
+          <a:effectRef idx="0">
+            <a:schemeClr val="dk1"/>
+          </a:effectRef>
+          <a:fontRef idx="minor">
+            <a:schemeClr val="tx1"/>
+          </a:fontRef>
+        </p:style>
+      </p:cxnSp>
+      <p:cxnSp>
+        <p:nvCxnSpPr>
+          <p:cNvPr id="148" name="连接符: 肘形 13">
+            <a:extLst>
+              <a:ext uri="{FF2B5EF4-FFF2-40B4-BE49-F238E27FC236}">
+                <a16:creationId xmlns:a16="http://schemas.microsoft.com/office/drawing/2014/main" id="{AD2FF32D-5D70-4667-9060-88EF96E40E1F}"/>
+              </a:ext>
+            </a:extLst>
+          </p:cNvPr>
+          <p:cNvCxnSpPr>
+            <a:cxnSpLocks/>
+            <a:endCxn id="41" idx="1"/>
+          </p:cNvCxnSpPr>
+          <p:nvPr/>
+        </p:nvCxnSpPr>
+        <p:spPr>
+          <a:xfrm rot="16200000" flipH="1">
+            <a:off x="-1089678" y="2792551"/>
+            <a:ext cx="5087512" cy="450398"/>
+          </a:xfrm>
+          <a:prstGeom prst="bentConnector2">
+            <a:avLst/>
+          </a:prstGeom>
+          <a:ln>
+            <a:headEnd type="oval"/>
+            <a:tailEnd type="triangle"/>
+          </a:ln>
+        </p:spPr>
+        <p:style>
+          <a:lnRef idx="1">
+            <a:schemeClr val="dk1"/>
+          </a:lnRef>
+          <a:fillRef idx="0">
+            <a:schemeClr val="dk1"/>
+          </a:fillRef>
+          <a:effectRef idx="0">
+            <a:schemeClr val="dk1"/>
+          </a:effectRef>
+          <a:fontRef idx="minor">
+            <a:schemeClr val="tx1"/>
+          </a:fontRef>
+        </p:style>
+      </p:cxnSp>
+      <p:cxnSp>
+        <p:nvCxnSpPr>
+          <p:cNvPr id="155" name="连接符: 肘形 13">
+            <a:extLst>
+              <a:ext uri="{FF2B5EF4-FFF2-40B4-BE49-F238E27FC236}">
+                <a16:creationId xmlns:a16="http://schemas.microsoft.com/office/drawing/2014/main" id="{16F4FDA6-D0BA-4F14-82F0-76DBA2291FDF}"/>
+              </a:ext>
+            </a:extLst>
+          </p:cNvPr>
+          <p:cNvCxnSpPr>
+            <a:cxnSpLocks/>
+            <a:endCxn id="6" idx="1"/>
+          </p:cNvCxnSpPr>
+          <p:nvPr/>
+        </p:nvCxnSpPr>
+        <p:spPr>
+          <a:xfrm>
+            <a:off x="663336" y="464557"/>
+            <a:ext cx="1015941" cy="9435"/>
+          </a:xfrm>
+          <a:prstGeom prst="straightConnector1">
+            <a:avLst/>
+          </a:prstGeom>
+          <a:ln>
+            <a:headEnd type="oval"/>
+            <a:tailEnd type="triangle"/>
+          </a:ln>
+        </p:spPr>
+        <p:style>
+          <a:lnRef idx="1">
+            <a:schemeClr val="dk1"/>
+          </a:lnRef>
+          <a:fillRef idx="0">
+            <a:schemeClr val="dk1"/>
+          </a:fillRef>
+          <a:effectRef idx="0">
+            <a:schemeClr val="dk1"/>
+          </a:effectRef>
+          <a:fontRef idx="minor">
+            <a:schemeClr val="tx1"/>
+          </a:fontRef>
+        </p:style>
+      </p:cxnSp>
+      <p:cxnSp>
+        <p:nvCxnSpPr>
+          <p:cNvPr id="157" name="连接符: 肘形 13">
+            <a:extLst>
+              <a:ext uri="{FF2B5EF4-FFF2-40B4-BE49-F238E27FC236}">
+                <a16:creationId xmlns:a16="http://schemas.microsoft.com/office/drawing/2014/main" id="{F3F62450-350F-4863-A41A-22CBD2CAA950}"/>
+              </a:ext>
+            </a:extLst>
+          </p:cNvPr>
+          <p:cNvCxnSpPr>
+            <a:cxnSpLocks/>
+            <a:endCxn id="7" idx="1"/>
+          </p:cNvCxnSpPr>
+          <p:nvPr/>
+        </p:nvCxnSpPr>
+        <p:spPr>
+          <a:xfrm>
+            <a:off x="660400" y="645863"/>
+            <a:ext cx="1017056" cy="2779"/>
+          </a:xfrm>
+          <a:prstGeom prst="straightConnector1">
+            <a:avLst/>
+          </a:prstGeom>
+          <a:ln cap="flat">
+            <a:headEnd type="oval"/>
+            <a:tailEnd type="triangle"/>
+          </a:ln>
+        </p:spPr>
+        <p:style>
+          <a:lnRef idx="1">
+            <a:schemeClr val="dk1"/>
+          </a:lnRef>
+          <a:fillRef idx="0">
+            <a:schemeClr val="dk1"/>
+          </a:fillRef>
+          <a:effectRef idx="0">
+            <a:schemeClr val="dk1"/>
+          </a:effectRef>
+          <a:fontRef idx="minor">
+            <a:schemeClr val="tx1"/>
+          </a:fontRef>
+        </p:style>
+      </p:cxnSp>
+      <p:sp>
+        <p:nvSpPr>
+          <p:cNvPr id="167" name="文本框 166">
+            <a:extLst>
+              <a:ext uri="{FF2B5EF4-FFF2-40B4-BE49-F238E27FC236}">
+                <a16:creationId xmlns:a16="http://schemas.microsoft.com/office/drawing/2014/main" id="{8B640FB0-523F-4C12-9DCB-0B2D2C939EEB}"/>
+              </a:ext>
+            </a:extLst>
+          </p:cNvPr>
+          <p:cNvSpPr txBox="1"/>
+          <p:nvPr/>
+        </p:nvSpPr>
+        <p:spPr>
+          <a:xfrm>
+            <a:off x="203186" y="356588"/>
+            <a:ext cx="506914" cy="230832"/>
+          </a:xfrm>
+          <a:prstGeom prst="rect">
+            <a:avLst/>
+          </a:prstGeom>
+          <a:noFill/>
+        </p:spPr>
+        <p:txBody>
+          <a:bodyPr wrap="square">
+            <a:spAutoFit/>
+          </a:bodyPr>
+          <a:lstStyle/>
+          <a:p>
+            <a:r>
+              <a:rPr lang="en-US" altLang="zh-CN" sz="900" dirty="0"/>
+              <a:t>START</a:t>
+            </a:r>
+            <a:endParaRPr lang="zh-CN" altLang="en-US" sz="900" dirty="0"/>
+          </a:p>
+        </p:txBody>
+      </p:sp>
+      <p:sp>
+        <p:nvSpPr>
+          <p:cNvPr id="168" name="文本框 167">
+            <a:extLst>
+              <a:ext uri="{FF2B5EF4-FFF2-40B4-BE49-F238E27FC236}">
+                <a16:creationId xmlns:a16="http://schemas.microsoft.com/office/drawing/2014/main" id="{34F88B4B-97A9-420F-AC4A-E22FC00A60D2}"/>
+              </a:ext>
+            </a:extLst>
+          </p:cNvPr>
+          <p:cNvSpPr txBox="1"/>
+          <p:nvPr/>
+        </p:nvSpPr>
+        <p:spPr>
+          <a:xfrm>
+            <a:off x="216681" y="533226"/>
+            <a:ext cx="367027" cy="230832"/>
+          </a:xfrm>
+          <a:prstGeom prst="rect">
+            <a:avLst/>
+          </a:prstGeom>
+          <a:noFill/>
+        </p:spPr>
+        <p:txBody>
+          <a:bodyPr wrap="square">
+            <a:spAutoFit/>
+          </a:bodyPr>
+          <a:lstStyle/>
+          <a:p>
+            <a:r>
+              <a:rPr lang="en-US" altLang="zh-CN" sz="900" dirty="0"/>
+              <a:t>CLK</a:t>
+            </a:r>
+            <a:endParaRPr lang="zh-CN" altLang="en-US" sz="900" dirty="0"/>
+          </a:p>
+        </p:txBody>
+      </p:sp>
+      <p:cxnSp>
+        <p:nvCxnSpPr>
+          <p:cNvPr id="170" name="连接符: 肘形 13">
+            <a:extLst>
+              <a:ext uri="{FF2B5EF4-FFF2-40B4-BE49-F238E27FC236}">
+                <a16:creationId xmlns:a16="http://schemas.microsoft.com/office/drawing/2014/main" id="{43E4D3B2-3261-49A9-95A4-A691AA4BD5D0}"/>
+              </a:ext>
+            </a:extLst>
+          </p:cNvPr>
+          <p:cNvCxnSpPr>
+            <a:cxnSpLocks/>
+            <a:endCxn id="43" idx="3"/>
+          </p:cNvCxnSpPr>
+          <p:nvPr/>
+        </p:nvCxnSpPr>
+        <p:spPr>
+          <a:xfrm flipH="1">
+            <a:off x="3106225" y="6378718"/>
+            <a:ext cx="453068" cy="4359"/>
+          </a:xfrm>
+          <a:prstGeom prst="straightConnector1">
+            <a:avLst/>
+          </a:prstGeom>
+          <a:ln cap="flat">
+            <a:headEnd type="oval"/>
+            <a:tailEnd type="triangle"/>
+          </a:ln>
+        </p:spPr>
+        <p:style>
+          <a:lnRef idx="1">
+            <a:schemeClr val="dk1"/>
+          </a:lnRef>
+          <a:fillRef idx="0">
+            <a:schemeClr val="dk1"/>
+          </a:fillRef>
+          <a:effectRef idx="0">
+            <a:schemeClr val="dk1"/>
+          </a:effectRef>
+          <a:fontRef idx="minor">
+            <a:schemeClr val="tx1"/>
+          </a:fontRef>
+        </p:style>
+      </p:cxnSp>
+      <p:sp>
+        <p:nvSpPr>
+          <p:cNvPr id="173" name="文本框 172">
+            <a:extLst>
+              <a:ext uri="{FF2B5EF4-FFF2-40B4-BE49-F238E27FC236}">
+                <a16:creationId xmlns:a16="http://schemas.microsoft.com/office/drawing/2014/main" id="{D5ACFC6A-67D1-43F5-84A9-D8AFD692F9C8}"/>
+              </a:ext>
+            </a:extLst>
+          </p:cNvPr>
+          <p:cNvSpPr txBox="1"/>
+          <p:nvPr/>
+        </p:nvSpPr>
+        <p:spPr>
+          <a:xfrm>
+            <a:off x="3544342" y="6263302"/>
+            <a:ext cx="367027" cy="230832"/>
+          </a:xfrm>
+          <a:prstGeom prst="rect">
+            <a:avLst/>
+          </a:prstGeom>
+          <a:noFill/>
+        </p:spPr>
+        <p:txBody>
+          <a:bodyPr wrap="square">
+            <a:spAutoFit/>
+          </a:bodyPr>
+          <a:lstStyle/>
+          <a:p>
+            <a:r>
+              <a:rPr lang="en-US" altLang="zh-CN" sz="900" dirty="0"/>
+              <a:t>0</a:t>
+            </a:r>
+            <a:endParaRPr lang="zh-CN" altLang="en-US" sz="900" dirty="0"/>
+          </a:p>
+        </p:txBody>
+      </p:sp>
+      <p:sp>
+        <p:nvSpPr>
+          <p:cNvPr id="175" name="文本框 174">
+            <a:extLst>
+              <a:ext uri="{FF2B5EF4-FFF2-40B4-BE49-F238E27FC236}">
+                <a16:creationId xmlns:a16="http://schemas.microsoft.com/office/drawing/2014/main" id="{A955E98D-CAD9-41C0-9033-8795EF8C7003}"/>
+              </a:ext>
+            </a:extLst>
+          </p:cNvPr>
+          <p:cNvSpPr txBox="1"/>
+          <p:nvPr/>
+        </p:nvSpPr>
+        <p:spPr>
+          <a:xfrm>
+            <a:off x="5195262" y="6187568"/>
+            <a:ext cx="3834249" cy="461665"/>
+          </a:xfrm>
+          <a:prstGeom prst="rect">
+            <a:avLst/>
+          </a:prstGeom>
+          <a:noFill/>
+        </p:spPr>
+        <p:txBody>
+          <a:bodyPr wrap="square">
+            <a:spAutoFit/>
+          </a:bodyPr>
+          <a:lstStyle/>
+          <a:p>
+            <a:r>
+              <a:rPr lang="en-US" altLang="zh-CN" sz="1200" i="1" dirty="0"/>
+              <a:t> To reduce pin count, set the START pin low and use the START serial command to synchronize and start conversions.</a:t>
+            </a:r>
+            <a:endParaRPr lang="zh-CN" altLang="en-US" sz="1200" i="1" dirty="0"/>
+          </a:p>
+        </p:txBody>
+      </p:sp>
+      <p:sp>
+        <p:nvSpPr>
+          <p:cNvPr id="177" name="文本框 176">
+            <a:extLst>
+              <a:ext uri="{FF2B5EF4-FFF2-40B4-BE49-F238E27FC236}">
+                <a16:creationId xmlns:a16="http://schemas.microsoft.com/office/drawing/2014/main" id="{F4FB4E9D-82BD-4855-86E1-22DB6FF6607D}"/>
+              </a:ext>
+            </a:extLst>
+          </p:cNvPr>
+          <p:cNvSpPr txBox="1"/>
+          <p:nvPr/>
+        </p:nvSpPr>
+        <p:spPr>
+          <a:xfrm>
+            <a:off x="4973989" y="3371684"/>
+            <a:ext cx="3944104" cy="646331"/>
+          </a:xfrm>
+          <a:prstGeom prst="rect">
+            <a:avLst/>
+          </a:prstGeom>
+          <a:noFill/>
+        </p:spPr>
+        <p:txBody>
+          <a:bodyPr wrap="square">
+            <a:spAutoFit/>
+          </a:bodyPr>
+          <a:lstStyle/>
+          <a:p>
+            <a:r>
+              <a:rPr lang="en-US" altLang="zh-CN" dirty="0"/>
+              <a:t>Figure 1. 32 Channel ADCs using Daisy-Chain Multiple Device Configurations</a:t>
+            </a:r>
+            <a:endParaRPr lang="zh-CN" altLang="en-US" dirty="0"/>
+          </a:p>
+        </p:txBody>
+      </p:sp>
     </p:spTree>
     <p:extLst>
       <p:ext uri="{BB962C8B-B14F-4D97-AF65-F5344CB8AC3E}">
